--- a/1차 발표/2DGP 프로젝트 1차 발표.pptx
+++ b/1차 발표/2DGP 프로젝트 1차 발표.pptx
@@ -13,14 +13,16 @@
     <p:sldId id="273" r:id="rId7"/>
     <p:sldId id="274" r:id="rId8"/>
     <p:sldId id="275" r:id="rId9"/>
+    <p:sldId id="277" r:id="rId10"/>
+    <p:sldId id="278" r:id="rId11"/>
   </p:sldIdLst>
   <p:sldSz cx="12192000" cy="6858000"/>
   <p:notesSz cx="6858000" cy="9144000"/>
   <p:embeddedFontLst>
     <p:embeddedFont>
       <p:font typeface="맑은 고딕" panose="020B0503020000020004" pitchFamily="50" charset="-127"/>
-      <p:regular r:id="rId10"/>
-      <p:bold r:id="rId11"/>
+      <p:regular r:id="rId12"/>
+      <p:bold r:id="rId13"/>
     </p:embeddedFont>
   </p:embeddedFontLst>
   <p:defaultTextStyle>
@@ -3250,6 +3252,838 @@
     <p:extLst>
       <p:ext uri="{BB962C8B-B14F-4D97-AF65-F5344CB8AC3E}">
         <p14:creationId xmlns:p14="http://schemas.microsoft.com/office/powerpoint/2010/main" val="642816889"/>
+      </p:ext>
+    </p:extLst>
+  </p:cSld>
+  <p:clrMapOvr>
+    <a:masterClrMapping/>
+  </p:clrMapOvr>
+</p:sld>
+</file>
+
+<file path=ppt/slides/slide10.xml><?xml version="1.0" encoding="utf-8"?>
+<p:sld xmlns:a="http://schemas.openxmlformats.org/drawingml/2006/main" xmlns:r="http://schemas.openxmlformats.org/officeDocument/2006/relationships" xmlns:p="http://schemas.openxmlformats.org/presentationml/2006/main">
+  <p:cSld>
+    <p:spTree>
+      <p:nvGrpSpPr>
+        <p:cNvPr id="1" name="">
+          <a:extLst>
+            <a:ext uri="{FF2B5EF4-FFF2-40B4-BE49-F238E27FC236}">
+              <a16:creationId xmlns:a16="http://schemas.microsoft.com/office/drawing/2014/main" id="{2AA95F18-B7D5-1A8D-75F6-10400AD5BA41}"/>
+            </a:ext>
+          </a:extLst>
+        </p:cNvPr>
+        <p:cNvGrpSpPr/>
+        <p:nvPr/>
+      </p:nvGrpSpPr>
+      <p:grpSpPr>
+        <a:xfrm>
+          <a:off x="0" y="0"/>
+          <a:ext cx="0" cy="0"/>
+          <a:chOff x="0" y="0"/>
+          <a:chExt cx="0" cy="0"/>
+        </a:xfrm>
+      </p:grpSpPr>
+      <p:sp>
+        <p:nvSpPr>
+          <p:cNvPr id="2" name="직사각형 1">
+            <a:extLst>
+              <a:ext uri="{FF2B5EF4-FFF2-40B4-BE49-F238E27FC236}">
+                <a16:creationId xmlns:a16="http://schemas.microsoft.com/office/drawing/2014/main" id="{5D3A83E9-23E5-81B9-7E53-17732F7992E1}"/>
+              </a:ext>
+            </a:extLst>
+          </p:cNvPr>
+          <p:cNvSpPr/>
+          <p:nvPr/>
+        </p:nvSpPr>
+        <p:spPr>
+          <a:xfrm>
+            <a:off x="-36512" y="655843"/>
+            <a:ext cx="12228512" cy="361374"/>
+          </a:xfrm>
+          <a:prstGeom prst="rect">
+            <a:avLst/>
+          </a:prstGeom>
+          <a:solidFill>
+            <a:srgbClr val="64C044"/>
+          </a:solidFill>
+          <a:ln>
+            <a:noFill/>
+          </a:ln>
+        </p:spPr>
+        <p:style>
+          <a:lnRef idx="2">
+            <a:schemeClr val="accent1">
+              <a:shade val="50000"/>
+            </a:schemeClr>
+          </a:lnRef>
+          <a:fillRef idx="1">
+            <a:schemeClr val="accent1"/>
+          </a:fillRef>
+          <a:effectRef idx="0">
+            <a:schemeClr val="accent1"/>
+          </a:effectRef>
+          <a:fontRef idx="minor">
+            <a:schemeClr val="lt1"/>
+          </a:fontRef>
+        </p:style>
+        <p:txBody>
+          <a:bodyPr rtlCol="0" anchor="ctr"/>
+          <a:lstStyle/>
+          <a:p>
+            <a:pPr marL="0" marR="0" lvl="0" indent="0" algn="ctr" defTabSz="914400" rtl="0" eaLnBrk="1" fontAlgn="auto" latinLnBrk="1" hangingPunct="1">
+              <a:lnSpc>
+                <a:spcPct val="100000"/>
+              </a:lnSpc>
+              <a:spcBef>
+                <a:spcPts val="0"/>
+              </a:spcBef>
+              <a:spcAft>
+                <a:spcPts val="0"/>
+              </a:spcAft>
+              <a:buClrTx/>
+              <a:buSzTx/>
+              <a:buFontTx/>
+              <a:buNone/>
+              <a:tabLst/>
+              <a:defRPr/>
+            </a:pPr>
+            <a:endParaRPr kumimoji="0" lang="ko-KR" altLang="en-US" sz="1800" b="0" i="0" u="none" strike="noStrike" kern="1200" cap="none" spc="0" normalizeH="0" baseline="0" noProof="0">
+              <a:ln>
+                <a:noFill/>
+              </a:ln>
+              <a:solidFill>
+                <a:prstClr val="white"/>
+              </a:solidFill>
+              <a:effectLst/>
+              <a:uLnTx/>
+              <a:uFillTx/>
+              <a:latin typeface="맑은 고딕" panose="020F0502020204030204"/>
+              <a:ea typeface="맑은 고딕" panose="020B0503020000020004" pitchFamily="50" charset="-127"/>
+              <a:cs typeface="+mn-cs"/>
+            </a:endParaRPr>
+          </a:p>
+        </p:txBody>
+      </p:sp>
+      <p:sp>
+        <p:nvSpPr>
+          <p:cNvPr id="3" name="모서리가 둥근 직사각형 2">
+            <a:extLst>
+              <a:ext uri="{FF2B5EF4-FFF2-40B4-BE49-F238E27FC236}">
+                <a16:creationId xmlns:a16="http://schemas.microsoft.com/office/drawing/2014/main" id="{B78853B2-66C3-1E73-6259-79F7DAFFAB9C}"/>
+              </a:ext>
+            </a:extLst>
+          </p:cNvPr>
+          <p:cNvSpPr/>
+          <p:nvPr/>
+        </p:nvSpPr>
+        <p:spPr>
+          <a:xfrm>
+            <a:off x="472966" y="315310"/>
+            <a:ext cx="6379780" cy="956441"/>
+          </a:xfrm>
+          <a:prstGeom prst="roundRect">
+            <a:avLst>
+              <a:gd name="adj" fmla="val 50000"/>
+            </a:avLst>
+          </a:prstGeom>
+          <a:solidFill>
+            <a:srgbClr val="64C044"/>
+          </a:solidFill>
+          <a:ln>
+            <a:noFill/>
+          </a:ln>
+        </p:spPr>
+        <p:style>
+          <a:lnRef idx="2">
+            <a:schemeClr val="accent1">
+              <a:shade val="50000"/>
+            </a:schemeClr>
+          </a:lnRef>
+          <a:fillRef idx="1">
+            <a:schemeClr val="accent1"/>
+          </a:fillRef>
+          <a:effectRef idx="0">
+            <a:schemeClr val="accent1"/>
+          </a:effectRef>
+          <a:fontRef idx="minor">
+            <a:schemeClr val="lt1"/>
+          </a:fontRef>
+        </p:style>
+        <p:txBody>
+          <a:bodyPr rtlCol="0" anchor="ctr"/>
+          <a:lstStyle/>
+          <a:p>
+            <a:pPr marL="0" marR="0" lvl="0" indent="0" algn="ctr" defTabSz="914400" rtl="0" eaLnBrk="1" fontAlgn="auto" latinLnBrk="1" hangingPunct="1">
+              <a:lnSpc>
+                <a:spcPct val="100000"/>
+              </a:lnSpc>
+              <a:spcBef>
+                <a:spcPts val="0"/>
+              </a:spcBef>
+              <a:spcAft>
+                <a:spcPts val="0"/>
+              </a:spcAft>
+              <a:buClrTx/>
+              <a:buSzTx/>
+              <a:buFontTx/>
+              <a:buNone/>
+              <a:tabLst/>
+              <a:defRPr/>
+            </a:pPr>
+            <a:endParaRPr kumimoji="0" lang="ko-KR" altLang="en-US" sz="1000" b="0" i="0" u="none" strike="noStrike" kern="1200" cap="none" spc="0" normalizeH="0" baseline="0" noProof="0">
+              <a:ln>
+                <a:noFill/>
+              </a:ln>
+              <a:solidFill>
+                <a:prstClr val="white"/>
+              </a:solidFill>
+              <a:effectLst/>
+              <a:uLnTx/>
+              <a:uFillTx/>
+              <a:latin typeface="맑은 고딕" panose="020F0502020204030204"/>
+              <a:ea typeface="맑은 고딕" panose="020B0503020000020004" pitchFamily="50" charset="-127"/>
+              <a:cs typeface="+mn-cs"/>
+            </a:endParaRPr>
+          </a:p>
+        </p:txBody>
+      </p:sp>
+      <p:sp>
+        <p:nvSpPr>
+          <p:cNvPr id="4" name="모서리가 둥근 직사각형 3">
+            <a:extLst>
+              <a:ext uri="{FF2B5EF4-FFF2-40B4-BE49-F238E27FC236}">
+                <a16:creationId xmlns:a16="http://schemas.microsoft.com/office/drawing/2014/main" id="{0FAF1CAC-8174-F9EB-10E8-9022221EF5DA}"/>
+              </a:ext>
+            </a:extLst>
+          </p:cNvPr>
+          <p:cNvSpPr/>
+          <p:nvPr/>
+        </p:nvSpPr>
+        <p:spPr>
+          <a:xfrm>
+            <a:off x="556165" y="409900"/>
+            <a:ext cx="6169571" cy="759377"/>
+          </a:xfrm>
+          <a:prstGeom prst="roundRect">
+            <a:avLst>
+              <a:gd name="adj" fmla="val 50000"/>
+            </a:avLst>
+          </a:prstGeom>
+          <a:solidFill>
+            <a:schemeClr val="bg1"/>
+          </a:solidFill>
+          <a:ln>
+            <a:noFill/>
+          </a:ln>
+        </p:spPr>
+        <p:style>
+          <a:lnRef idx="2">
+            <a:schemeClr val="accent1">
+              <a:shade val="50000"/>
+            </a:schemeClr>
+          </a:lnRef>
+          <a:fillRef idx="1">
+            <a:schemeClr val="accent1"/>
+          </a:fillRef>
+          <a:effectRef idx="0">
+            <a:schemeClr val="accent1"/>
+          </a:effectRef>
+          <a:fontRef idx="minor">
+            <a:schemeClr val="lt1"/>
+          </a:fontRef>
+        </p:style>
+        <p:txBody>
+          <a:bodyPr rtlCol="0" anchor="ctr"/>
+          <a:lstStyle/>
+          <a:p>
+            <a:pPr marL="0" marR="0" lvl="0" indent="0" algn="ctr" defTabSz="914400" rtl="0" eaLnBrk="1" fontAlgn="auto" latinLnBrk="1" hangingPunct="1">
+              <a:lnSpc>
+                <a:spcPct val="100000"/>
+              </a:lnSpc>
+              <a:spcBef>
+                <a:spcPts val="0"/>
+              </a:spcBef>
+              <a:spcAft>
+                <a:spcPts val="0"/>
+              </a:spcAft>
+              <a:buClrTx/>
+              <a:buSzTx/>
+              <a:buFontTx/>
+              <a:buNone/>
+              <a:tabLst/>
+              <a:defRPr/>
+            </a:pPr>
+            <a:endParaRPr kumimoji="0" lang="ko-KR" altLang="en-US" sz="1000" b="0" i="0" u="none" strike="noStrike" kern="1200" cap="none" spc="0" normalizeH="0" baseline="0" noProof="0">
+              <a:ln>
+                <a:noFill/>
+              </a:ln>
+              <a:solidFill>
+                <a:prstClr val="white"/>
+              </a:solidFill>
+              <a:effectLst/>
+              <a:uLnTx/>
+              <a:uFillTx/>
+              <a:latin typeface="맑은 고딕" panose="020F0502020204030204"/>
+              <a:ea typeface="맑은 고딕" panose="020B0503020000020004" pitchFamily="50" charset="-127"/>
+              <a:cs typeface="+mn-cs"/>
+            </a:endParaRPr>
+          </a:p>
+        </p:txBody>
+      </p:sp>
+      <p:sp>
+        <p:nvSpPr>
+          <p:cNvPr id="5" name="타원 4">
+            <a:extLst>
+              <a:ext uri="{FF2B5EF4-FFF2-40B4-BE49-F238E27FC236}">
+                <a16:creationId xmlns:a16="http://schemas.microsoft.com/office/drawing/2014/main" id="{F6F1FBE2-8C36-D9B8-9BE8-B27DFD001D16}"/>
+              </a:ext>
+            </a:extLst>
+          </p:cNvPr>
+          <p:cNvSpPr/>
+          <p:nvPr/>
+        </p:nvSpPr>
+        <p:spPr>
+          <a:xfrm>
+            <a:off x="761445" y="483070"/>
+            <a:ext cx="625920" cy="613041"/>
+          </a:xfrm>
+          <a:prstGeom prst="ellipse">
+            <a:avLst/>
+          </a:prstGeom>
+          <a:solidFill>
+            <a:srgbClr val="64C044"/>
+          </a:solidFill>
+          <a:ln>
+            <a:noFill/>
+          </a:ln>
+        </p:spPr>
+        <p:style>
+          <a:lnRef idx="2">
+            <a:schemeClr val="accent1">
+              <a:shade val="50000"/>
+            </a:schemeClr>
+          </a:lnRef>
+          <a:fillRef idx="1">
+            <a:schemeClr val="accent1"/>
+          </a:fillRef>
+          <a:effectRef idx="0">
+            <a:schemeClr val="accent1"/>
+          </a:effectRef>
+          <a:fontRef idx="minor">
+            <a:schemeClr val="lt1"/>
+          </a:fontRef>
+        </p:style>
+        <p:txBody>
+          <a:bodyPr rtlCol="0" anchor="ctr"/>
+          <a:lstStyle/>
+          <a:p>
+            <a:pPr marL="0" marR="0" lvl="0" indent="0" algn="ctr" defTabSz="914400" rtl="0" eaLnBrk="1" fontAlgn="auto" latinLnBrk="1" hangingPunct="1">
+              <a:lnSpc>
+                <a:spcPct val="100000"/>
+              </a:lnSpc>
+              <a:spcBef>
+                <a:spcPts val="0"/>
+              </a:spcBef>
+              <a:spcAft>
+                <a:spcPts val="0"/>
+              </a:spcAft>
+              <a:buClrTx/>
+              <a:buSzTx/>
+              <a:buFontTx/>
+              <a:buNone/>
+              <a:tabLst/>
+              <a:defRPr/>
+            </a:pPr>
+            <a:endParaRPr kumimoji="0" lang="ko-KR" altLang="en-US" sz="1000" b="0" i="0" u="none" strike="noStrike" kern="1200" cap="none" spc="0" normalizeH="0" baseline="0" noProof="0">
+              <a:ln>
+                <a:noFill/>
+              </a:ln>
+              <a:solidFill>
+                <a:prstClr val="white"/>
+              </a:solidFill>
+              <a:effectLst/>
+              <a:uLnTx/>
+              <a:uFillTx/>
+              <a:latin typeface="맑은 고딕" panose="020F0502020204030204"/>
+              <a:ea typeface="맑은 고딕" panose="020B0503020000020004" pitchFamily="50" charset="-127"/>
+              <a:cs typeface="+mn-cs"/>
+            </a:endParaRPr>
+          </a:p>
+        </p:txBody>
+      </p:sp>
+      <p:sp>
+        <p:nvSpPr>
+          <p:cNvPr id="7" name="TextBox 6">
+            <a:extLst>
+              <a:ext uri="{FF2B5EF4-FFF2-40B4-BE49-F238E27FC236}">
+                <a16:creationId xmlns:a16="http://schemas.microsoft.com/office/drawing/2014/main" id="{3ECC39E7-87F4-7922-A054-774061E1B521}"/>
+              </a:ext>
+            </a:extLst>
+          </p:cNvPr>
+          <p:cNvSpPr txBox="1"/>
+          <p:nvPr/>
+        </p:nvSpPr>
+        <p:spPr>
+          <a:xfrm>
+            <a:off x="858829" y="466424"/>
+            <a:ext cx="493144" cy="646331"/>
+          </a:xfrm>
+          <a:prstGeom prst="rect">
+            <a:avLst/>
+          </a:prstGeom>
+          <a:noFill/>
+        </p:spPr>
+        <p:txBody>
+          <a:bodyPr wrap="square" rtlCol="0">
+            <a:spAutoFit/>
+          </a:bodyPr>
+          <a:lstStyle/>
+          <a:p>
+            <a:pPr marL="0" marR="0" lvl="0" indent="0" algn="l" defTabSz="914400" rtl="0" eaLnBrk="1" fontAlgn="auto" latinLnBrk="1" hangingPunct="1">
+              <a:lnSpc>
+                <a:spcPct val="100000"/>
+              </a:lnSpc>
+              <a:spcBef>
+                <a:spcPts val="0"/>
+              </a:spcBef>
+              <a:spcAft>
+                <a:spcPts val="0"/>
+              </a:spcAft>
+              <a:buClrTx/>
+              <a:buSzTx/>
+              <a:buFontTx/>
+              <a:buNone/>
+              <a:tabLst/>
+              <a:defRPr/>
+            </a:pPr>
+            <a:r>
+              <a:rPr kumimoji="0" lang="en-US" altLang="ko-KR" sz="3600" b="1" i="0" u="none" strike="noStrike" kern="1200" cap="none" spc="0" normalizeH="0" baseline="0" noProof="0" dirty="0">
+                <a:ln>
+                  <a:noFill/>
+                </a:ln>
+                <a:solidFill>
+                  <a:prstClr val="white"/>
+                </a:solidFill>
+                <a:effectLst/>
+                <a:uLnTx/>
+                <a:uFillTx/>
+                <a:ea typeface="12롯데마트드림Bold" panose="02020603020101020101" pitchFamily="18" charset="-127"/>
+                <a:cs typeface="+mn-cs"/>
+              </a:rPr>
+              <a:t>4</a:t>
+            </a:r>
+            <a:endParaRPr kumimoji="0" lang="ko-KR" altLang="en-US" sz="3600" b="1" i="0" u="none" strike="noStrike" kern="1200" cap="none" spc="0" normalizeH="0" baseline="0" noProof="0" dirty="0">
+              <a:ln>
+                <a:noFill/>
+              </a:ln>
+              <a:solidFill>
+                <a:prstClr val="white"/>
+              </a:solidFill>
+              <a:effectLst/>
+              <a:uLnTx/>
+              <a:uFillTx/>
+              <a:ea typeface="12롯데마트드림Bold" panose="02020603020101020101" pitchFamily="18" charset="-127"/>
+              <a:cs typeface="+mn-cs"/>
+            </a:endParaRPr>
+          </a:p>
+        </p:txBody>
+      </p:sp>
+      <p:sp>
+        <p:nvSpPr>
+          <p:cNvPr id="11" name="TextBox 10">
+            <a:extLst>
+              <a:ext uri="{FF2B5EF4-FFF2-40B4-BE49-F238E27FC236}">
+                <a16:creationId xmlns:a16="http://schemas.microsoft.com/office/drawing/2014/main" id="{CE6F555B-28CC-12D5-5361-271D4D773B04}"/>
+              </a:ext>
+            </a:extLst>
+          </p:cNvPr>
+          <p:cNvSpPr txBox="1"/>
+          <p:nvPr/>
+        </p:nvSpPr>
+        <p:spPr>
+          <a:xfrm>
+            <a:off x="1653587" y="527978"/>
+            <a:ext cx="4160584" cy="523220"/>
+          </a:xfrm>
+          <a:prstGeom prst="rect">
+            <a:avLst/>
+          </a:prstGeom>
+          <a:noFill/>
+        </p:spPr>
+        <p:txBody>
+          <a:bodyPr wrap="square" rtlCol="0">
+            <a:spAutoFit/>
+          </a:bodyPr>
+          <a:lstStyle/>
+          <a:p>
+            <a:pPr marL="0" marR="0" lvl="0" indent="0" algn="l" defTabSz="914400" rtl="0" eaLnBrk="1" fontAlgn="auto" latinLnBrk="1" hangingPunct="1">
+              <a:lnSpc>
+                <a:spcPct val="100000"/>
+              </a:lnSpc>
+              <a:spcBef>
+                <a:spcPts val="0"/>
+              </a:spcBef>
+              <a:spcAft>
+                <a:spcPts val="0"/>
+              </a:spcAft>
+              <a:buClrTx/>
+              <a:buSzTx/>
+              <a:buFontTx/>
+              <a:buNone/>
+              <a:tabLst/>
+              <a:defRPr/>
+            </a:pPr>
+            <a:r>
+              <a:rPr kumimoji="0" lang="ko-KR" altLang="en-US" sz="2800" b="1" i="0" u="none" strike="noStrike" kern="1200" cap="none" spc="0" normalizeH="0" baseline="0" noProof="0" dirty="0">
+                <a:ln>
+                  <a:noFill/>
+                </a:ln>
+                <a:solidFill>
+                  <a:prstClr val="black"/>
+                </a:solidFill>
+                <a:effectLst/>
+                <a:uLnTx/>
+                <a:uFillTx/>
+                <a:ea typeface="12롯데마트드림Bold" panose="02020603020101020101" pitchFamily="18" charset="-127"/>
+                <a:cs typeface="+mn-cs"/>
+              </a:rPr>
+              <a:t>상세 게임 기획서</a:t>
+            </a:r>
+            <a:endParaRPr kumimoji="0" lang="en-US" altLang="ko-KR" sz="2800" b="1" i="0" u="none" strike="noStrike" kern="1200" cap="none" spc="0" normalizeH="0" baseline="0" noProof="0" dirty="0">
+              <a:ln>
+                <a:noFill/>
+              </a:ln>
+              <a:solidFill>
+                <a:prstClr val="black"/>
+              </a:solidFill>
+              <a:effectLst/>
+              <a:uLnTx/>
+              <a:uFillTx/>
+              <a:ea typeface="12롯데마트드림Bold" panose="02020603020101020101" pitchFamily="18" charset="-127"/>
+              <a:cs typeface="+mn-cs"/>
+            </a:endParaRPr>
+          </a:p>
+        </p:txBody>
+      </p:sp>
+      <p:sp>
+        <p:nvSpPr>
+          <p:cNvPr id="6" name="TextBox 5">
+            <a:extLst>
+              <a:ext uri="{FF2B5EF4-FFF2-40B4-BE49-F238E27FC236}">
+                <a16:creationId xmlns:a16="http://schemas.microsoft.com/office/drawing/2014/main" id="{FFD38106-8AE7-4EA2-6E7A-9E69D8140601}"/>
+              </a:ext>
+            </a:extLst>
+          </p:cNvPr>
+          <p:cNvSpPr txBox="1"/>
+          <p:nvPr/>
+        </p:nvSpPr>
+        <p:spPr>
+          <a:xfrm>
+            <a:off x="437060" y="1436644"/>
+            <a:ext cx="11478519" cy="3970318"/>
+          </a:xfrm>
+          <a:prstGeom prst="rect">
+            <a:avLst/>
+          </a:prstGeom>
+          <a:noFill/>
+        </p:spPr>
+        <p:txBody>
+          <a:bodyPr wrap="square">
+            <a:spAutoFit/>
+          </a:bodyPr>
+          <a:lstStyle/>
+          <a:p>
+            <a:r>
+              <a:rPr lang="en-US" altLang="ko-KR" sz="1200" b="1" dirty="0"/>
+              <a:t>2. </a:t>
+            </a:r>
+            <a:r>
+              <a:rPr lang="ko-KR" altLang="ko-KR" sz="1200" b="1" dirty="0"/>
+              <a:t>게임 시스템</a:t>
+            </a:r>
+          </a:p>
+          <a:p>
+            <a:pPr lvl="0"/>
+            <a:r>
+              <a:rPr lang="en-US" altLang="ko-KR" sz="1200" b="1" dirty="0"/>
+              <a:t>- </a:t>
+            </a:r>
+            <a:r>
+              <a:rPr lang="ko-KR" altLang="ko-KR" sz="1200" b="1" dirty="0"/>
+              <a:t>재화 시스템</a:t>
+            </a:r>
+          </a:p>
+          <a:p>
+            <a:pPr lvl="1"/>
+            <a:r>
+              <a:rPr lang="ko-KR" altLang="ko-KR" sz="1200" b="1" dirty="0"/>
+              <a:t>코인</a:t>
+            </a:r>
+            <a:r>
+              <a:rPr lang="en-US" altLang="ko-KR" sz="1200" b="1" dirty="0"/>
+              <a:t> : </a:t>
+            </a:r>
+            <a:r>
+              <a:rPr lang="ko-KR" altLang="ko-KR" sz="1200" b="1" dirty="0"/>
+              <a:t>적 처치 및 스테이지 클리어 보상으로 획득</a:t>
+            </a:r>
+          </a:p>
+          <a:p>
+            <a:pPr lvl="1"/>
+            <a:r>
+              <a:rPr lang="ko-KR" altLang="ko-KR" sz="1200" b="1" dirty="0"/>
+              <a:t>스테이지 난이도에 따라 차등 보상</a:t>
+            </a:r>
+          </a:p>
+          <a:p>
+            <a:r>
+              <a:rPr lang="en-US" altLang="ko-KR" sz="1200" b="1" dirty="0"/>
+              <a:t> </a:t>
+            </a:r>
+            <a:endParaRPr lang="ko-KR" altLang="ko-KR" sz="1200" b="1" dirty="0"/>
+          </a:p>
+          <a:p>
+            <a:pPr lvl="0"/>
+            <a:r>
+              <a:rPr lang="en-US" altLang="ko-KR" sz="1200" b="1" dirty="0"/>
+              <a:t>- </a:t>
+            </a:r>
+            <a:r>
+              <a:rPr lang="ko-KR" altLang="ko-KR" sz="1200" b="1" dirty="0"/>
+              <a:t>상점 시스템</a:t>
+            </a:r>
+          </a:p>
+          <a:p>
+            <a:pPr lvl="1"/>
+            <a:r>
+              <a:rPr lang="ko-KR" altLang="ko-KR" sz="1200" b="1" dirty="0"/>
+              <a:t>각 스테이지를 클리어하면 지하철 플랫폼 도착</a:t>
+            </a:r>
+          </a:p>
+          <a:p>
+            <a:pPr lvl="1"/>
+            <a:r>
+              <a:rPr lang="ko-KR" altLang="ko-KR" sz="1200" b="1" dirty="0"/>
+              <a:t>상점을 통해 장비 강화나 아이템 구매 가능</a:t>
+            </a:r>
+          </a:p>
+          <a:p>
+            <a:pPr lvl="1"/>
+            <a:r>
+              <a:rPr lang="ko-KR" altLang="ko-KR" sz="1200" b="1" dirty="0"/>
+              <a:t>플랫폼은 다음 스테이지로 넘어가기 전 준비 공간의 역할</a:t>
+            </a:r>
+          </a:p>
+          <a:p>
+            <a:r>
+              <a:rPr lang="en-US" altLang="ko-KR" sz="1200" b="1" dirty="0"/>
+              <a:t> </a:t>
+            </a:r>
+            <a:endParaRPr lang="ko-KR" altLang="ko-KR" sz="1200" b="1" dirty="0"/>
+          </a:p>
+          <a:p>
+            <a:r>
+              <a:rPr lang="en-US" altLang="ko-KR" sz="1200" b="1" dirty="0"/>
+              <a:t>[</a:t>
+            </a:r>
+            <a:r>
+              <a:rPr lang="ko-KR" altLang="ko-KR" sz="1200" b="1" dirty="0"/>
+              <a:t>상점 아이템 예시</a:t>
+            </a:r>
+            <a:r>
+              <a:rPr lang="en-US" altLang="ko-KR" sz="1200" b="1" dirty="0"/>
+              <a:t>]</a:t>
+            </a:r>
+            <a:endParaRPr lang="ko-KR" altLang="ko-KR" sz="1200" b="1" dirty="0"/>
+          </a:p>
+          <a:p>
+            <a:r>
+              <a:rPr lang="ko-KR" altLang="ko-KR" sz="1200" b="1" dirty="0"/>
+              <a:t>장비 강화</a:t>
+            </a:r>
+          </a:p>
+          <a:p>
+            <a:r>
+              <a:rPr lang="en-US" altLang="ko-KR" sz="1200" b="1" dirty="0"/>
+              <a:t>- </a:t>
+            </a:r>
+            <a:r>
+              <a:rPr lang="ko-KR" altLang="ko-KR" sz="1200" b="1" dirty="0"/>
+              <a:t>튼튼한 가방</a:t>
+            </a:r>
+            <a:r>
+              <a:rPr lang="en-US" altLang="ko-KR" sz="1200" b="1" dirty="0"/>
+              <a:t> (HP +20) </a:t>
+            </a:r>
+            <a:endParaRPr lang="ko-KR" altLang="ko-KR" sz="1200" b="1" dirty="0"/>
+          </a:p>
+          <a:p>
+            <a:r>
+              <a:rPr lang="en-US" altLang="ko-KR" sz="1200" b="1" dirty="0"/>
+              <a:t>- </a:t>
+            </a:r>
+            <a:r>
+              <a:rPr lang="ko-KR" altLang="ko-KR" sz="1200" b="1" dirty="0"/>
+              <a:t>강철 노트북</a:t>
+            </a:r>
+            <a:r>
+              <a:rPr lang="en-US" altLang="ko-KR" sz="1200" b="1" dirty="0"/>
+              <a:t> (</a:t>
+            </a:r>
+            <a:r>
+              <a:rPr lang="ko-KR" altLang="ko-KR" sz="1200" b="1" dirty="0"/>
+              <a:t>공격력</a:t>
+            </a:r>
+            <a:r>
+              <a:rPr lang="en-US" altLang="ko-KR" sz="1200" b="1" dirty="0"/>
+              <a:t> +3) </a:t>
+            </a:r>
+            <a:endParaRPr lang="ko-KR" altLang="ko-KR" sz="1200" b="1" dirty="0"/>
+          </a:p>
+          <a:p>
+            <a:r>
+              <a:rPr lang="en-US" altLang="ko-KR" sz="1200" b="1" dirty="0"/>
+              <a:t>- </a:t>
+            </a:r>
+            <a:r>
+              <a:rPr lang="ko-KR" altLang="ko-KR" sz="1200" b="1" dirty="0" err="1"/>
+              <a:t>에어팟</a:t>
+            </a:r>
+            <a:r>
+              <a:rPr lang="en-US" altLang="ko-KR" sz="1200" b="1" dirty="0"/>
+              <a:t> (</a:t>
+            </a:r>
+            <a:r>
+              <a:rPr lang="ko-KR" altLang="ko-KR" sz="1200" b="1" dirty="0"/>
+              <a:t>이동속도</a:t>
+            </a:r>
+            <a:r>
+              <a:rPr lang="en-US" altLang="ko-KR" sz="1200" b="1" dirty="0"/>
+              <a:t> +10%) </a:t>
+            </a:r>
+            <a:endParaRPr lang="ko-KR" altLang="ko-KR" sz="1200" b="1" dirty="0"/>
+          </a:p>
+          <a:p>
+            <a:r>
+              <a:rPr lang="en-US" altLang="ko-KR" sz="1200" b="1" dirty="0"/>
+              <a:t> </a:t>
+            </a:r>
+            <a:endParaRPr lang="ko-KR" altLang="ko-KR" sz="1200" b="1" dirty="0"/>
+          </a:p>
+          <a:p>
+            <a:r>
+              <a:rPr lang="ko-KR" altLang="ko-KR" sz="1200" b="1" dirty="0"/>
+              <a:t>소모품</a:t>
+            </a:r>
+          </a:p>
+          <a:p>
+            <a:r>
+              <a:rPr lang="en-US" altLang="ko-KR" sz="1200" b="1" dirty="0"/>
+              <a:t>- </a:t>
+            </a:r>
+            <a:r>
+              <a:rPr lang="ko-KR" altLang="ko-KR" sz="1200" b="1" dirty="0"/>
+              <a:t>도시락</a:t>
+            </a:r>
+            <a:r>
+              <a:rPr lang="en-US" altLang="ko-KR" sz="1200" b="1" dirty="0"/>
+              <a:t> (HP 50 </a:t>
+            </a:r>
+            <a:r>
+              <a:rPr lang="ko-KR" altLang="ko-KR" sz="1200" b="1" dirty="0"/>
+              <a:t>회복</a:t>
+            </a:r>
+            <a:r>
+              <a:rPr lang="en-US" altLang="ko-KR" sz="1200" b="1" dirty="0"/>
+              <a:t>) </a:t>
+            </a:r>
+            <a:endParaRPr lang="ko-KR" altLang="ko-KR" sz="1200" b="1" dirty="0"/>
+          </a:p>
+          <a:p>
+            <a:r>
+              <a:rPr lang="en-US" altLang="ko-KR" sz="1200" b="1" dirty="0"/>
+              <a:t>- </a:t>
+            </a:r>
+            <a:r>
+              <a:rPr lang="ko-KR" altLang="ko-KR" sz="1200" b="1" dirty="0"/>
+              <a:t>커피</a:t>
+            </a:r>
+            <a:r>
+              <a:rPr lang="en-US" altLang="ko-KR" sz="1200" b="1" dirty="0"/>
+              <a:t> (</a:t>
+            </a:r>
+            <a:r>
+              <a:rPr lang="ko-KR" altLang="ko-KR" sz="1200" b="1" dirty="0"/>
+              <a:t>스킬 </a:t>
+            </a:r>
+            <a:r>
+              <a:rPr lang="ko-KR" altLang="ko-KR" sz="1200" b="1" dirty="0" err="1"/>
+              <a:t>쿨타임</a:t>
+            </a:r>
+            <a:r>
+              <a:rPr lang="en-US" altLang="ko-KR" sz="1200" b="1" dirty="0"/>
+              <a:t> 20% </a:t>
+            </a:r>
+            <a:r>
+              <a:rPr lang="ko-KR" altLang="ko-KR" sz="1200" b="1" dirty="0"/>
+              <a:t>감소</a:t>
+            </a:r>
+            <a:r>
+              <a:rPr lang="en-US" altLang="ko-KR" sz="1200" b="1" dirty="0"/>
+              <a:t>, 10</a:t>
+            </a:r>
+            <a:r>
+              <a:rPr lang="ko-KR" altLang="ko-KR" sz="1200" b="1" dirty="0"/>
+              <a:t>초 지속</a:t>
+            </a:r>
+            <a:r>
+              <a:rPr lang="en-US" altLang="ko-KR" sz="1200" b="1" dirty="0"/>
+              <a:t>) </a:t>
+            </a:r>
+            <a:endParaRPr lang="ko-KR" altLang="ko-KR" sz="1200" b="1" dirty="0"/>
+          </a:p>
+          <a:p>
+            <a:r>
+              <a:rPr lang="en-US" altLang="ko-KR" sz="1200" b="1" dirty="0"/>
+              <a:t>- </a:t>
+            </a:r>
+            <a:r>
+              <a:rPr lang="ko-KR" altLang="ko-KR" sz="1200" b="1" dirty="0"/>
+              <a:t>에너지 드링크</a:t>
+            </a:r>
+            <a:r>
+              <a:rPr lang="en-US" altLang="ko-KR" sz="1200" b="1" dirty="0"/>
+              <a:t> (</a:t>
+            </a:r>
+            <a:r>
+              <a:rPr lang="ko-KR" altLang="ko-KR" sz="1200" b="1" dirty="0"/>
+              <a:t>공격력</a:t>
+            </a:r>
+            <a:r>
+              <a:rPr lang="en-US" altLang="ko-KR" sz="1200" b="1" dirty="0"/>
+              <a:t> +2, 10</a:t>
+            </a:r>
+            <a:r>
+              <a:rPr lang="ko-KR" altLang="ko-KR" sz="1200" b="1" dirty="0"/>
+              <a:t>초 지속</a:t>
+            </a:r>
+            <a:r>
+              <a:rPr lang="en-US" altLang="ko-KR" sz="1200" b="1" dirty="0"/>
+              <a:t>) </a:t>
+            </a:r>
+            <a:endParaRPr lang="ko-KR" altLang="ko-KR" sz="1200" b="1" dirty="0"/>
+          </a:p>
+          <a:p>
+            <a:pPr lvl="0"/>
+            <a:endParaRPr lang="ko-KR" altLang="ko-KR" sz="1200" b="1" dirty="0"/>
+          </a:p>
+        </p:txBody>
+      </p:sp>
+    </p:spTree>
+    <p:extLst>
+      <p:ext uri="{BB962C8B-B14F-4D97-AF65-F5344CB8AC3E}">
+        <p14:creationId xmlns:p14="http://schemas.microsoft.com/office/powerpoint/2010/main" val="2713190011"/>
       </p:ext>
     </p:extLst>
   </p:cSld>
@@ -12460,6 +13294,1123 @@
 </p:sld>
 </file>
 
+<file path=ppt/slides/slide9.xml><?xml version="1.0" encoding="utf-8"?>
+<p:sld xmlns:a="http://schemas.openxmlformats.org/drawingml/2006/main" xmlns:r="http://schemas.openxmlformats.org/officeDocument/2006/relationships" xmlns:p="http://schemas.openxmlformats.org/presentationml/2006/main">
+  <p:cSld>
+    <p:spTree>
+      <p:nvGrpSpPr>
+        <p:cNvPr id="1" name="">
+          <a:extLst>
+            <a:ext uri="{FF2B5EF4-FFF2-40B4-BE49-F238E27FC236}">
+              <a16:creationId xmlns:a16="http://schemas.microsoft.com/office/drawing/2014/main" id="{13A37DD1-F0FA-AB9F-BA64-BF6ED0353590}"/>
+            </a:ext>
+          </a:extLst>
+        </p:cNvPr>
+        <p:cNvGrpSpPr/>
+        <p:nvPr/>
+      </p:nvGrpSpPr>
+      <p:grpSpPr>
+        <a:xfrm>
+          <a:off x="0" y="0"/>
+          <a:ext cx="0" cy="0"/>
+          <a:chOff x="0" y="0"/>
+          <a:chExt cx="0" cy="0"/>
+        </a:xfrm>
+      </p:grpSpPr>
+      <p:sp>
+        <p:nvSpPr>
+          <p:cNvPr id="2" name="직사각형 1">
+            <a:extLst>
+              <a:ext uri="{FF2B5EF4-FFF2-40B4-BE49-F238E27FC236}">
+                <a16:creationId xmlns:a16="http://schemas.microsoft.com/office/drawing/2014/main" id="{E6AE9797-B926-BE41-EB1A-9F23BA9759F1}"/>
+              </a:ext>
+            </a:extLst>
+          </p:cNvPr>
+          <p:cNvSpPr/>
+          <p:nvPr/>
+        </p:nvSpPr>
+        <p:spPr>
+          <a:xfrm>
+            <a:off x="-36512" y="655843"/>
+            <a:ext cx="12228512" cy="361374"/>
+          </a:xfrm>
+          <a:prstGeom prst="rect">
+            <a:avLst/>
+          </a:prstGeom>
+          <a:solidFill>
+            <a:srgbClr val="64C044"/>
+          </a:solidFill>
+          <a:ln>
+            <a:noFill/>
+          </a:ln>
+        </p:spPr>
+        <p:style>
+          <a:lnRef idx="2">
+            <a:schemeClr val="accent1">
+              <a:shade val="50000"/>
+            </a:schemeClr>
+          </a:lnRef>
+          <a:fillRef idx="1">
+            <a:schemeClr val="accent1"/>
+          </a:fillRef>
+          <a:effectRef idx="0">
+            <a:schemeClr val="accent1"/>
+          </a:effectRef>
+          <a:fontRef idx="minor">
+            <a:schemeClr val="lt1"/>
+          </a:fontRef>
+        </p:style>
+        <p:txBody>
+          <a:bodyPr rtlCol="0" anchor="ctr"/>
+          <a:lstStyle/>
+          <a:p>
+            <a:pPr marL="0" marR="0" lvl="0" indent="0" algn="ctr" defTabSz="914400" rtl="0" eaLnBrk="1" fontAlgn="auto" latinLnBrk="1" hangingPunct="1">
+              <a:lnSpc>
+                <a:spcPct val="100000"/>
+              </a:lnSpc>
+              <a:spcBef>
+                <a:spcPts val="0"/>
+              </a:spcBef>
+              <a:spcAft>
+                <a:spcPts val="0"/>
+              </a:spcAft>
+              <a:buClrTx/>
+              <a:buSzTx/>
+              <a:buFontTx/>
+              <a:buNone/>
+              <a:tabLst/>
+              <a:defRPr/>
+            </a:pPr>
+            <a:endParaRPr kumimoji="0" lang="ko-KR" altLang="en-US" sz="1800" b="0" i="0" u="none" strike="noStrike" kern="1200" cap="none" spc="0" normalizeH="0" baseline="0" noProof="0">
+              <a:ln>
+                <a:noFill/>
+              </a:ln>
+              <a:solidFill>
+                <a:prstClr val="white"/>
+              </a:solidFill>
+              <a:effectLst/>
+              <a:uLnTx/>
+              <a:uFillTx/>
+              <a:latin typeface="맑은 고딕" panose="020F0502020204030204"/>
+              <a:ea typeface="맑은 고딕" panose="020B0503020000020004" pitchFamily="50" charset="-127"/>
+              <a:cs typeface="+mn-cs"/>
+            </a:endParaRPr>
+          </a:p>
+        </p:txBody>
+      </p:sp>
+      <p:sp>
+        <p:nvSpPr>
+          <p:cNvPr id="3" name="모서리가 둥근 직사각형 2">
+            <a:extLst>
+              <a:ext uri="{FF2B5EF4-FFF2-40B4-BE49-F238E27FC236}">
+                <a16:creationId xmlns:a16="http://schemas.microsoft.com/office/drawing/2014/main" id="{4E7AB2B2-3AB1-C970-217C-94182845C16E}"/>
+              </a:ext>
+            </a:extLst>
+          </p:cNvPr>
+          <p:cNvSpPr/>
+          <p:nvPr/>
+        </p:nvSpPr>
+        <p:spPr>
+          <a:xfrm>
+            <a:off x="472966" y="315310"/>
+            <a:ext cx="6379780" cy="956441"/>
+          </a:xfrm>
+          <a:prstGeom prst="roundRect">
+            <a:avLst>
+              <a:gd name="adj" fmla="val 50000"/>
+            </a:avLst>
+          </a:prstGeom>
+          <a:solidFill>
+            <a:srgbClr val="64C044"/>
+          </a:solidFill>
+          <a:ln>
+            <a:noFill/>
+          </a:ln>
+        </p:spPr>
+        <p:style>
+          <a:lnRef idx="2">
+            <a:schemeClr val="accent1">
+              <a:shade val="50000"/>
+            </a:schemeClr>
+          </a:lnRef>
+          <a:fillRef idx="1">
+            <a:schemeClr val="accent1"/>
+          </a:fillRef>
+          <a:effectRef idx="0">
+            <a:schemeClr val="accent1"/>
+          </a:effectRef>
+          <a:fontRef idx="minor">
+            <a:schemeClr val="lt1"/>
+          </a:fontRef>
+        </p:style>
+        <p:txBody>
+          <a:bodyPr rtlCol="0" anchor="ctr"/>
+          <a:lstStyle/>
+          <a:p>
+            <a:pPr marL="0" marR="0" lvl="0" indent="0" algn="ctr" defTabSz="914400" rtl="0" eaLnBrk="1" fontAlgn="auto" latinLnBrk="1" hangingPunct="1">
+              <a:lnSpc>
+                <a:spcPct val="100000"/>
+              </a:lnSpc>
+              <a:spcBef>
+                <a:spcPts val="0"/>
+              </a:spcBef>
+              <a:spcAft>
+                <a:spcPts val="0"/>
+              </a:spcAft>
+              <a:buClrTx/>
+              <a:buSzTx/>
+              <a:buFontTx/>
+              <a:buNone/>
+              <a:tabLst/>
+              <a:defRPr/>
+            </a:pPr>
+            <a:endParaRPr kumimoji="0" lang="ko-KR" altLang="en-US" sz="1000" b="0" i="0" u="none" strike="noStrike" kern="1200" cap="none" spc="0" normalizeH="0" baseline="0" noProof="0">
+              <a:ln>
+                <a:noFill/>
+              </a:ln>
+              <a:solidFill>
+                <a:prstClr val="white"/>
+              </a:solidFill>
+              <a:effectLst/>
+              <a:uLnTx/>
+              <a:uFillTx/>
+              <a:latin typeface="맑은 고딕" panose="020F0502020204030204"/>
+              <a:ea typeface="맑은 고딕" panose="020B0503020000020004" pitchFamily="50" charset="-127"/>
+              <a:cs typeface="+mn-cs"/>
+            </a:endParaRPr>
+          </a:p>
+        </p:txBody>
+      </p:sp>
+      <p:sp>
+        <p:nvSpPr>
+          <p:cNvPr id="4" name="모서리가 둥근 직사각형 3">
+            <a:extLst>
+              <a:ext uri="{FF2B5EF4-FFF2-40B4-BE49-F238E27FC236}">
+                <a16:creationId xmlns:a16="http://schemas.microsoft.com/office/drawing/2014/main" id="{5F2ACB4C-3B96-FED7-D0FD-2E8DDE052858}"/>
+              </a:ext>
+            </a:extLst>
+          </p:cNvPr>
+          <p:cNvSpPr/>
+          <p:nvPr/>
+        </p:nvSpPr>
+        <p:spPr>
+          <a:xfrm>
+            <a:off x="556165" y="409900"/>
+            <a:ext cx="6169571" cy="759377"/>
+          </a:xfrm>
+          <a:prstGeom prst="roundRect">
+            <a:avLst>
+              <a:gd name="adj" fmla="val 50000"/>
+            </a:avLst>
+          </a:prstGeom>
+          <a:solidFill>
+            <a:schemeClr val="bg1"/>
+          </a:solidFill>
+          <a:ln>
+            <a:noFill/>
+          </a:ln>
+        </p:spPr>
+        <p:style>
+          <a:lnRef idx="2">
+            <a:schemeClr val="accent1">
+              <a:shade val="50000"/>
+            </a:schemeClr>
+          </a:lnRef>
+          <a:fillRef idx="1">
+            <a:schemeClr val="accent1"/>
+          </a:fillRef>
+          <a:effectRef idx="0">
+            <a:schemeClr val="accent1"/>
+          </a:effectRef>
+          <a:fontRef idx="minor">
+            <a:schemeClr val="lt1"/>
+          </a:fontRef>
+        </p:style>
+        <p:txBody>
+          <a:bodyPr rtlCol="0" anchor="ctr"/>
+          <a:lstStyle/>
+          <a:p>
+            <a:pPr marL="0" marR="0" lvl="0" indent="0" algn="ctr" defTabSz="914400" rtl="0" eaLnBrk="1" fontAlgn="auto" latinLnBrk="1" hangingPunct="1">
+              <a:lnSpc>
+                <a:spcPct val="100000"/>
+              </a:lnSpc>
+              <a:spcBef>
+                <a:spcPts val="0"/>
+              </a:spcBef>
+              <a:spcAft>
+                <a:spcPts val="0"/>
+              </a:spcAft>
+              <a:buClrTx/>
+              <a:buSzTx/>
+              <a:buFontTx/>
+              <a:buNone/>
+              <a:tabLst/>
+              <a:defRPr/>
+            </a:pPr>
+            <a:endParaRPr kumimoji="0" lang="ko-KR" altLang="en-US" sz="1000" b="0" i="0" u="none" strike="noStrike" kern="1200" cap="none" spc="0" normalizeH="0" baseline="0" noProof="0">
+              <a:ln>
+                <a:noFill/>
+              </a:ln>
+              <a:solidFill>
+                <a:prstClr val="white"/>
+              </a:solidFill>
+              <a:effectLst/>
+              <a:uLnTx/>
+              <a:uFillTx/>
+              <a:latin typeface="맑은 고딕" panose="020F0502020204030204"/>
+              <a:ea typeface="맑은 고딕" panose="020B0503020000020004" pitchFamily="50" charset="-127"/>
+              <a:cs typeface="+mn-cs"/>
+            </a:endParaRPr>
+          </a:p>
+        </p:txBody>
+      </p:sp>
+      <p:sp>
+        <p:nvSpPr>
+          <p:cNvPr id="5" name="타원 4">
+            <a:extLst>
+              <a:ext uri="{FF2B5EF4-FFF2-40B4-BE49-F238E27FC236}">
+                <a16:creationId xmlns:a16="http://schemas.microsoft.com/office/drawing/2014/main" id="{DE8C1A9D-4D0A-FF6F-457B-6953A1B3DFC5}"/>
+              </a:ext>
+            </a:extLst>
+          </p:cNvPr>
+          <p:cNvSpPr/>
+          <p:nvPr/>
+        </p:nvSpPr>
+        <p:spPr>
+          <a:xfrm>
+            <a:off x="761445" y="483070"/>
+            <a:ext cx="625920" cy="613041"/>
+          </a:xfrm>
+          <a:prstGeom prst="ellipse">
+            <a:avLst/>
+          </a:prstGeom>
+          <a:solidFill>
+            <a:srgbClr val="64C044"/>
+          </a:solidFill>
+          <a:ln>
+            <a:noFill/>
+          </a:ln>
+        </p:spPr>
+        <p:style>
+          <a:lnRef idx="2">
+            <a:schemeClr val="accent1">
+              <a:shade val="50000"/>
+            </a:schemeClr>
+          </a:lnRef>
+          <a:fillRef idx="1">
+            <a:schemeClr val="accent1"/>
+          </a:fillRef>
+          <a:effectRef idx="0">
+            <a:schemeClr val="accent1"/>
+          </a:effectRef>
+          <a:fontRef idx="minor">
+            <a:schemeClr val="lt1"/>
+          </a:fontRef>
+        </p:style>
+        <p:txBody>
+          <a:bodyPr rtlCol="0" anchor="ctr"/>
+          <a:lstStyle/>
+          <a:p>
+            <a:pPr marL="0" marR="0" lvl="0" indent="0" algn="ctr" defTabSz="914400" rtl="0" eaLnBrk="1" fontAlgn="auto" latinLnBrk="1" hangingPunct="1">
+              <a:lnSpc>
+                <a:spcPct val="100000"/>
+              </a:lnSpc>
+              <a:spcBef>
+                <a:spcPts val="0"/>
+              </a:spcBef>
+              <a:spcAft>
+                <a:spcPts val="0"/>
+              </a:spcAft>
+              <a:buClrTx/>
+              <a:buSzTx/>
+              <a:buFontTx/>
+              <a:buNone/>
+              <a:tabLst/>
+              <a:defRPr/>
+            </a:pPr>
+            <a:endParaRPr kumimoji="0" lang="ko-KR" altLang="en-US" sz="1000" b="0" i="0" u="none" strike="noStrike" kern="1200" cap="none" spc="0" normalizeH="0" baseline="0" noProof="0">
+              <a:ln>
+                <a:noFill/>
+              </a:ln>
+              <a:solidFill>
+                <a:prstClr val="white"/>
+              </a:solidFill>
+              <a:effectLst/>
+              <a:uLnTx/>
+              <a:uFillTx/>
+              <a:latin typeface="맑은 고딕" panose="020F0502020204030204"/>
+              <a:ea typeface="맑은 고딕" panose="020B0503020000020004" pitchFamily="50" charset="-127"/>
+              <a:cs typeface="+mn-cs"/>
+            </a:endParaRPr>
+          </a:p>
+        </p:txBody>
+      </p:sp>
+      <p:sp>
+        <p:nvSpPr>
+          <p:cNvPr id="7" name="TextBox 6">
+            <a:extLst>
+              <a:ext uri="{FF2B5EF4-FFF2-40B4-BE49-F238E27FC236}">
+                <a16:creationId xmlns:a16="http://schemas.microsoft.com/office/drawing/2014/main" id="{4D491CF0-6B74-1137-E619-A426393D9476}"/>
+              </a:ext>
+            </a:extLst>
+          </p:cNvPr>
+          <p:cNvSpPr txBox="1"/>
+          <p:nvPr/>
+        </p:nvSpPr>
+        <p:spPr>
+          <a:xfrm>
+            <a:off x="858829" y="466424"/>
+            <a:ext cx="493144" cy="646331"/>
+          </a:xfrm>
+          <a:prstGeom prst="rect">
+            <a:avLst/>
+          </a:prstGeom>
+          <a:noFill/>
+        </p:spPr>
+        <p:txBody>
+          <a:bodyPr wrap="square" rtlCol="0">
+            <a:spAutoFit/>
+          </a:bodyPr>
+          <a:lstStyle/>
+          <a:p>
+            <a:pPr marL="0" marR="0" lvl="0" indent="0" algn="l" defTabSz="914400" rtl="0" eaLnBrk="1" fontAlgn="auto" latinLnBrk="1" hangingPunct="1">
+              <a:lnSpc>
+                <a:spcPct val="100000"/>
+              </a:lnSpc>
+              <a:spcBef>
+                <a:spcPts val="0"/>
+              </a:spcBef>
+              <a:spcAft>
+                <a:spcPts val="0"/>
+              </a:spcAft>
+              <a:buClrTx/>
+              <a:buSzTx/>
+              <a:buFontTx/>
+              <a:buNone/>
+              <a:tabLst/>
+              <a:defRPr/>
+            </a:pPr>
+            <a:r>
+              <a:rPr kumimoji="0" lang="en-US" altLang="ko-KR" sz="3600" b="1" i="0" u="none" strike="noStrike" kern="1200" cap="none" spc="0" normalizeH="0" baseline="0" noProof="0" dirty="0">
+                <a:ln>
+                  <a:noFill/>
+                </a:ln>
+                <a:solidFill>
+                  <a:prstClr val="white"/>
+                </a:solidFill>
+                <a:effectLst/>
+                <a:uLnTx/>
+                <a:uFillTx/>
+                <a:ea typeface="12롯데마트드림Bold" panose="02020603020101020101" pitchFamily="18" charset="-127"/>
+                <a:cs typeface="+mn-cs"/>
+              </a:rPr>
+              <a:t>4</a:t>
+            </a:r>
+            <a:endParaRPr kumimoji="0" lang="ko-KR" altLang="en-US" sz="3600" b="1" i="0" u="none" strike="noStrike" kern="1200" cap="none" spc="0" normalizeH="0" baseline="0" noProof="0" dirty="0">
+              <a:ln>
+                <a:noFill/>
+              </a:ln>
+              <a:solidFill>
+                <a:prstClr val="white"/>
+              </a:solidFill>
+              <a:effectLst/>
+              <a:uLnTx/>
+              <a:uFillTx/>
+              <a:ea typeface="12롯데마트드림Bold" panose="02020603020101020101" pitchFamily="18" charset="-127"/>
+              <a:cs typeface="+mn-cs"/>
+            </a:endParaRPr>
+          </a:p>
+        </p:txBody>
+      </p:sp>
+      <p:sp>
+        <p:nvSpPr>
+          <p:cNvPr id="11" name="TextBox 10">
+            <a:extLst>
+              <a:ext uri="{FF2B5EF4-FFF2-40B4-BE49-F238E27FC236}">
+                <a16:creationId xmlns:a16="http://schemas.microsoft.com/office/drawing/2014/main" id="{93643E8F-8713-EBD6-DF79-703F4209BEA8}"/>
+              </a:ext>
+            </a:extLst>
+          </p:cNvPr>
+          <p:cNvSpPr txBox="1"/>
+          <p:nvPr/>
+        </p:nvSpPr>
+        <p:spPr>
+          <a:xfrm>
+            <a:off x="1653587" y="527978"/>
+            <a:ext cx="4160584" cy="523220"/>
+          </a:xfrm>
+          <a:prstGeom prst="rect">
+            <a:avLst/>
+          </a:prstGeom>
+          <a:noFill/>
+        </p:spPr>
+        <p:txBody>
+          <a:bodyPr wrap="square" rtlCol="0">
+            <a:spAutoFit/>
+          </a:bodyPr>
+          <a:lstStyle/>
+          <a:p>
+            <a:pPr marL="0" marR="0" lvl="0" indent="0" algn="l" defTabSz="914400" rtl="0" eaLnBrk="1" fontAlgn="auto" latinLnBrk="1" hangingPunct="1">
+              <a:lnSpc>
+                <a:spcPct val="100000"/>
+              </a:lnSpc>
+              <a:spcBef>
+                <a:spcPts val="0"/>
+              </a:spcBef>
+              <a:spcAft>
+                <a:spcPts val="0"/>
+              </a:spcAft>
+              <a:buClrTx/>
+              <a:buSzTx/>
+              <a:buFontTx/>
+              <a:buNone/>
+              <a:tabLst/>
+              <a:defRPr/>
+            </a:pPr>
+            <a:r>
+              <a:rPr kumimoji="0" lang="ko-KR" altLang="en-US" sz="2800" b="1" i="0" u="none" strike="noStrike" kern="1200" cap="none" spc="0" normalizeH="0" baseline="0" noProof="0" dirty="0">
+                <a:ln>
+                  <a:noFill/>
+                </a:ln>
+                <a:solidFill>
+                  <a:prstClr val="black"/>
+                </a:solidFill>
+                <a:effectLst/>
+                <a:uLnTx/>
+                <a:uFillTx/>
+                <a:ea typeface="12롯데마트드림Bold" panose="02020603020101020101" pitchFamily="18" charset="-127"/>
+                <a:cs typeface="+mn-cs"/>
+              </a:rPr>
+              <a:t>상세 게임 기획서</a:t>
+            </a:r>
+            <a:endParaRPr kumimoji="0" lang="en-US" altLang="ko-KR" sz="2800" b="1" i="0" u="none" strike="noStrike" kern="1200" cap="none" spc="0" normalizeH="0" baseline="0" noProof="0" dirty="0">
+              <a:ln>
+                <a:noFill/>
+              </a:ln>
+              <a:solidFill>
+                <a:prstClr val="black"/>
+              </a:solidFill>
+              <a:effectLst/>
+              <a:uLnTx/>
+              <a:uFillTx/>
+              <a:ea typeface="12롯데마트드림Bold" panose="02020603020101020101" pitchFamily="18" charset="-127"/>
+              <a:cs typeface="+mn-cs"/>
+            </a:endParaRPr>
+          </a:p>
+        </p:txBody>
+      </p:sp>
+      <p:sp>
+        <p:nvSpPr>
+          <p:cNvPr id="6" name="TextBox 5">
+            <a:extLst>
+              <a:ext uri="{FF2B5EF4-FFF2-40B4-BE49-F238E27FC236}">
+                <a16:creationId xmlns:a16="http://schemas.microsoft.com/office/drawing/2014/main" id="{8A7A179A-0BF2-9F79-3812-E38830DDF2D8}"/>
+              </a:ext>
+            </a:extLst>
+          </p:cNvPr>
+          <p:cNvSpPr txBox="1"/>
+          <p:nvPr/>
+        </p:nvSpPr>
+        <p:spPr>
+          <a:xfrm>
+            <a:off x="437060" y="1436644"/>
+            <a:ext cx="11478519" cy="5447645"/>
+          </a:xfrm>
+          <a:prstGeom prst="rect">
+            <a:avLst/>
+          </a:prstGeom>
+          <a:noFill/>
+        </p:spPr>
+        <p:txBody>
+          <a:bodyPr wrap="square">
+            <a:spAutoFit/>
+          </a:bodyPr>
+          <a:lstStyle/>
+          <a:p>
+            <a:r>
+              <a:rPr lang="en-US" altLang="ko-KR" sz="1200" b="1" dirty="0"/>
+              <a:t>1. </a:t>
+            </a:r>
+            <a:r>
+              <a:rPr lang="ko-KR" altLang="ko-KR" sz="1200" b="1" dirty="0"/>
+              <a:t>캐릭터</a:t>
+            </a:r>
+          </a:p>
+          <a:p>
+            <a:r>
+              <a:rPr lang="en-US" altLang="ko-KR" sz="1200" b="1" dirty="0"/>
+              <a:t>- </a:t>
+            </a:r>
+            <a:r>
+              <a:rPr lang="ko-KR" altLang="ko-KR" sz="1200" b="1" dirty="0"/>
+              <a:t>플레이어 캐릭터</a:t>
+            </a:r>
+            <a:r>
+              <a:rPr lang="en-US" altLang="ko-KR" sz="1200" b="1" dirty="0"/>
+              <a:t> (</a:t>
+            </a:r>
+            <a:r>
+              <a:rPr lang="ko-KR" altLang="ko-KR" sz="1200" b="1" dirty="0"/>
+              <a:t>예시</a:t>
+            </a:r>
+            <a:r>
+              <a:rPr lang="en-US" altLang="ko-KR" sz="1200" b="1" dirty="0"/>
+              <a:t>)</a:t>
+            </a:r>
+            <a:endParaRPr lang="ko-KR" altLang="ko-KR" sz="1200" b="1" dirty="0"/>
+          </a:p>
+          <a:p>
+            <a:r>
+              <a:rPr lang="ko-KR" altLang="ko-KR" sz="1200" b="1" dirty="0"/>
+              <a:t>대학생</a:t>
+            </a:r>
+          </a:p>
+          <a:p>
+            <a:pPr lvl="0"/>
+            <a:r>
+              <a:rPr lang="ko-KR" altLang="ko-KR" sz="1200" b="1" dirty="0"/>
+              <a:t>전공 서적</a:t>
+            </a:r>
+            <a:r>
+              <a:rPr lang="en-US" altLang="ko-KR" sz="1200" b="1" dirty="0"/>
+              <a:t>: </a:t>
+            </a:r>
+            <a:r>
+              <a:rPr lang="ko-KR" altLang="ko-KR" sz="1200" b="1" dirty="0"/>
+              <a:t>묵직하고 두꺼운 하드커버 책</a:t>
+            </a:r>
+            <a:r>
+              <a:rPr lang="en-US" altLang="ko-KR" sz="1200" b="1" dirty="0"/>
+              <a:t>. </a:t>
+            </a:r>
+            <a:r>
+              <a:rPr lang="ko-KR" altLang="ko-KR" sz="1200" b="1" dirty="0"/>
+              <a:t>기본 공격 시 사용</a:t>
+            </a:r>
+            <a:r>
+              <a:rPr lang="en-US" altLang="ko-KR" sz="1200" b="1" dirty="0"/>
+              <a:t>. </a:t>
+            </a:r>
+          </a:p>
+          <a:p>
+            <a:pPr lvl="0"/>
+            <a:endParaRPr lang="ko-KR" altLang="ko-KR" sz="1200" b="1" dirty="0"/>
+          </a:p>
+          <a:p>
+            <a:r>
+              <a:rPr lang="en-US" altLang="ko-KR" sz="1200" b="1" dirty="0"/>
+              <a:t>- </a:t>
+            </a:r>
+            <a:r>
+              <a:rPr lang="ko-KR" altLang="ko-KR" sz="1200" b="1" dirty="0"/>
+              <a:t>스킬 상세</a:t>
+            </a:r>
+            <a:r>
+              <a:rPr lang="en-US" altLang="ko-KR" sz="1200" b="1" dirty="0"/>
+              <a:t>:</a:t>
+            </a:r>
+            <a:endParaRPr lang="ko-KR" altLang="ko-KR" sz="1200" b="1" dirty="0"/>
+          </a:p>
+          <a:p>
+            <a:pPr lvl="0"/>
+            <a:r>
+              <a:rPr lang="en-US" altLang="ko-KR" sz="1200" b="1" dirty="0"/>
+              <a:t>[Q] </a:t>
+            </a:r>
+            <a:r>
+              <a:rPr lang="ko-KR" altLang="ko-KR" sz="1200" b="1" dirty="0"/>
+              <a:t>시험 스트레스</a:t>
+            </a:r>
+            <a:r>
+              <a:rPr lang="en-US" altLang="ko-KR" sz="1200" b="1" dirty="0"/>
+              <a:t> (</a:t>
+            </a:r>
+            <a:r>
+              <a:rPr lang="ko-KR" altLang="ko-KR" sz="1200" b="1" dirty="0" err="1"/>
+              <a:t>쿨타임</a:t>
+            </a:r>
+            <a:r>
+              <a:rPr lang="en-US" altLang="ko-KR" sz="1200" b="1" dirty="0"/>
+              <a:t> 8</a:t>
+            </a:r>
+            <a:r>
+              <a:rPr lang="ko-KR" altLang="ko-KR" sz="1200" b="1" dirty="0"/>
+              <a:t>초</a:t>
+            </a:r>
+            <a:r>
+              <a:rPr lang="en-US" altLang="ko-KR" sz="1200" b="1" dirty="0"/>
+              <a:t>)</a:t>
+            </a:r>
+            <a:endParaRPr lang="ko-KR" altLang="ko-KR" sz="1200" b="1" dirty="0"/>
+          </a:p>
+          <a:p>
+            <a:pPr lvl="1"/>
+            <a:r>
+              <a:rPr lang="ko-KR" altLang="ko-KR" sz="1200" b="1" dirty="0"/>
+              <a:t>시전</a:t>
+            </a:r>
+            <a:r>
+              <a:rPr lang="en-US" altLang="ko-KR" sz="1200" b="1" dirty="0"/>
+              <a:t>: </a:t>
+            </a:r>
+            <a:r>
+              <a:rPr lang="ko-KR" altLang="ko-KR" sz="1200" b="1" dirty="0"/>
+              <a:t>전방에 이펙트가 폭풍처럼 쏟아져 나간다</a:t>
+            </a:r>
+            <a:r>
+              <a:rPr lang="en-US" altLang="ko-KR" sz="1200" b="1" dirty="0"/>
+              <a:t>.</a:t>
+            </a:r>
+            <a:endParaRPr lang="ko-KR" altLang="ko-KR" sz="1200" b="1" dirty="0"/>
+          </a:p>
+          <a:p>
+            <a:pPr lvl="1"/>
+            <a:r>
+              <a:rPr lang="ko-KR" altLang="ko-KR" sz="1200" b="1" dirty="0"/>
+              <a:t>효과</a:t>
+            </a:r>
+            <a:r>
+              <a:rPr lang="en-US" altLang="ko-KR" sz="1200" b="1" dirty="0"/>
+              <a:t>: </a:t>
+            </a:r>
+            <a:r>
+              <a:rPr lang="ko-KR" altLang="ko-KR" sz="1200" b="1" dirty="0"/>
+              <a:t>범위 내 모든 적에게</a:t>
+            </a:r>
+            <a:r>
+              <a:rPr lang="en-US" altLang="ko-KR" sz="1200" b="1" dirty="0"/>
+              <a:t> 5</a:t>
+            </a:r>
+            <a:r>
+              <a:rPr lang="ko-KR" altLang="ko-KR" sz="1200" b="1" dirty="0"/>
+              <a:t>회의 자잘한 히트 데미지를 입힌다</a:t>
+            </a:r>
+            <a:r>
+              <a:rPr lang="en-US" altLang="ko-KR" sz="1200" b="1" dirty="0"/>
+              <a:t>. </a:t>
+            </a:r>
+            <a:r>
+              <a:rPr lang="ko-KR" altLang="ko-KR" sz="1200" b="1" dirty="0"/>
+              <a:t>원거리에 있는 다수의 약한 적을 정리하는 데 효과적이다</a:t>
+            </a:r>
+            <a:r>
+              <a:rPr lang="en-US" altLang="ko-KR" sz="1200" b="1" dirty="0"/>
+              <a:t>.</a:t>
+            </a:r>
+            <a:endParaRPr lang="ko-KR" altLang="ko-KR" sz="1200" b="1" dirty="0"/>
+          </a:p>
+          <a:p>
+            <a:pPr lvl="0"/>
+            <a:r>
+              <a:rPr lang="en-US" altLang="ko-KR" sz="1200" b="1" dirty="0"/>
+              <a:t>[E] </a:t>
+            </a:r>
+            <a:r>
+              <a:rPr lang="ko-KR" altLang="ko-KR" sz="1200" b="1" dirty="0"/>
+              <a:t>밤샘 과제</a:t>
+            </a:r>
+            <a:r>
+              <a:rPr lang="en-US" altLang="ko-KR" sz="1200" b="1" dirty="0"/>
+              <a:t> (</a:t>
+            </a:r>
+            <a:r>
+              <a:rPr lang="ko-KR" altLang="ko-KR" sz="1200" b="1" dirty="0" err="1"/>
+              <a:t>쿨타임</a:t>
+            </a:r>
+            <a:r>
+              <a:rPr lang="en-US" altLang="ko-KR" sz="1200" b="1" dirty="0"/>
+              <a:t> 12</a:t>
+            </a:r>
+            <a:r>
+              <a:rPr lang="ko-KR" altLang="ko-KR" sz="1200" b="1" dirty="0"/>
+              <a:t>초</a:t>
+            </a:r>
+            <a:r>
+              <a:rPr lang="en-US" altLang="ko-KR" sz="1200" b="1" dirty="0"/>
+              <a:t>)</a:t>
+            </a:r>
+            <a:endParaRPr lang="ko-KR" altLang="ko-KR" sz="1200" b="1" dirty="0"/>
+          </a:p>
+          <a:p>
+            <a:pPr lvl="1"/>
+            <a:r>
+              <a:rPr lang="ko-KR" altLang="ko-KR" sz="1200" b="1" dirty="0"/>
+              <a:t>시전</a:t>
+            </a:r>
+            <a:r>
+              <a:rPr lang="en-US" altLang="ko-KR" sz="1200" b="1" dirty="0"/>
+              <a:t>: </a:t>
+            </a:r>
+            <a:r>
+              <a:rPr lang="ko-KR" altLang="ko-KR" sz="1200" b="1" dirty="0"/>
+              <a:t>캐릭터 주변으로 빙글빙글 도는 이펙트가 생긴다</a:t>
+            </a:r>
+            <a:r>
+              <a:rPr lang="en-US" altLang="ko-KR" sz="1200" b="1" dirty="0"/>
+              <a:t>.</a:t>
+            </a:r>
+            <a:endParaRPr lang="ko-KR" altLang="ko-KR" sz="1200" b="1" dirty="0"/>
+          </a:p>
+          <a:p>
+            <a:pPr lvl="1"/>
+            <a:r>
+              <a:rPr lang="ko-KR" altLang="ko-KR" sz="1200" b="1" dirty="0"/>
+              <a:t>효과</a:t>
+            </a:r>
+            <a:r>
+              <a:rPr lang="en-US" altLang="ko-KR" sz="1200" b="1" dirty="0"/>
+              <a:t>: 3</a:t>
+            </a:r>
+            <a:r>
+              <a:rPr lang="ko-KR" altLang="ko-KR" sz="1200" b="1" dirty="0"/>
+              <a:t>초 동안 밀려나지 않는 상태가 되며</a:t>
+            </a:r>
+            <a:r>
+              <a:rPr lang="en-US" altLang="ko-KR" sz="1200" b="1" dirty="0"/>
+              <a:t>, </a:t>
+            </a:r>
+            <a:r>
+              <a:rPr lang="ko-KR" altLang="ko-KR" sz="1200" b="1" dirty="0"/>
+              <a:t>이 시간 동안 받는 데미지가</a:t>
+            </a:r>
+            <a:r>
+              <a:rPr lang="en-US" altLang="ko-KR" sz="1200" b="1" dirty="0"/>
+              <a:t> 30% </a:t>
+            </a:r>
+            <a:r>
+              <a:rPr lang="ko-KR" altLang="ko-KR" sz="1200" b="1" dirty="0"/>
+              <a:t>감소한다</a:t>
+            </a:r>
+            <a:r>
+              <a:rPr lang="en-US" altLang="ko-KR" sz="1200" b="1" dirty="0"/>
+              <a:t>. </a:t>
+            </a:r>
+            <a:r>
+              <a:rPr lang="ko-KR" altLang="ko-KR" sz="1200" b="1" dirty="0"/>
+              <a:t>보스의 강력한 공격을 버텨낼 때 사용한다</a:t>
+            </a:r>
+            <a:r>
+              <a:rPr lang="en-US" altLang="ko-KR" sz="1200" b="1" dirty="0"/>
+              <a:t>.</a:t>
+            </a:r>
+          </a:p>
+          <a:p>
+            <a:pPr lvl="1"/>
+            <a:endParaRPr lang="ko-KR" altLang="ko-KR" sz="1200" b="1" dirty="0"/>
+          </a:p>
+          <a:p>
+            <a:r>
+              <a:rPr lang="en-US" altLang="ko-KR" sz="1200" b="1" dirty="0"/>
+              <a:t>- </a:t>
+            </a:r>
+            <a:r>
+              <a:rPr lang="ko-KR" altLang="ko-KR" sz="1200" b="1" dirty="0"/>
+              <a:t>적 캐릭터</a:t>
+            </a:r>
+          </a:p>
+          <a:p>
+            <a:pPr lvl="0"/>
+            <a:r>
+              <a:rPr lang="ko-KR" altLang="ko-KR" sz="1200" b="1" dirty="0"/>
+              <a:t>문 앞 </a:t>
+            </a:r>
+            <a:r>
+              <a:rPr lang="ko-KR" altLang="ko-KR" sz="1200" b="1" dirty="0" err="1"/>
+              <a:t>빌런</a:t>
+            </a:r>
+            <a:r>
+              <a:rPr lang="en-US" altLang="ko-KR" sz="1200" b="1" dirty="0"/>
+              <a:t>: </a:t>
+            </a:r>
+            <a:r>
+              <a:rPr lang="ko-KR" altLang="ko-KR" sz="1200" b="1" dirty="0" err="1"/>
+              <a:t>넉백</a:t>
+            </a:r>
+            <a:r>
+              <a:rPr lang="ko-KR" altLang="ko-KR" sz="1200" b="1" dirty="0"/>
+              <a:t> </a:t>
+            </a:r>
+            <a:r>
+              <a:rPr lang="ko-KR" altLang="en-US" sz="1200" b="1" dirty="0"/>
+              <a:t>공격</a:t>
+            </a:r>
+            <a:endParaRPr lang="en-US" altLang="ko-KR" sz="1200" b="1" dirty="0"/>
+          </a:p>
+          <a:p>
+            <a:pPr lvl="0"/>
+            <a:r>
+              <a:rPr lang="ko-KR" altLang="ko-KR" sz="1200" b="1" dirty="0"/>
+              <a:t>스피커 </a:t>
+            </a:r>
+            <a:r>
+              <a:rPr lang="ko-KR" altLang="ko-KR" sz="1200" b="1" dirty="0" err="1"/>
+              <a:t>빌런</a:t>
+            </a:r>
+            <a:r>
+              <a:rPr lang="en-US" altLang="ko-KR" sz="1200" b="1" dirty="0"/>
+              <a:t>: </a:t>
+            </a:r>
+            <a:r>
+              <a:rPr lang="ko-KR" altLang="ko-KR" sz="1200" b="1" dirty="0"/>
+              <a:t>휴대폰으로 음파 공격</a:t>
+            </a:r>
+          </a:p>
+          <a:p>
+            <a:pPr lvl="0"/>
+            <a:r>
+              <a:rPr lang="ko-KR" altLang="ko-KR" sz="1200" b="1" dirty="0"/>
+              <a:t>취객 </a:t>
+            </a:r>
+            <a:r>
+              <a:rPr lang="ko-KR" altLang="ko-KR" sz="1200" b="1" dirty="0" err="1"/>
+              <a:t>빌런</a:t>
+            </a:r>
+            <a:r>
+              <a:rPr lang="en-US" altLang="ko-KR" sz="1200" b="1" dirty="0"/>
+              <a:t>: </a:t>
+            </a:r>
+            <a:r>
+              <a:rPr lang="ko-KR" altLang="ko-KR" sz="1200" b="1" dirty="0"/>
+              <a:t>불규칙한 움직임</a:t>
+            </a:r>
+            <a:r>
+              <a:rPr lang="en-US" altLang="ko-KR" sz="1200" b="1" dirty="0"/>
+              <a:t>, </a:t>
+            </a:r>
+            <a:r>
+              <a:rPr lang="ko-KR" altLang="ko-KR" sz="1200" b="1" dirty="0"/>
+              <a:t>강한 </a:t>
+            </a:r>
+            <a:r>
+              <a:rPr lang="ko-KR" altLang="ko-KR" sz="1200" b="1" dirty="0" err="1"/>
+              <a:t>넉백</a:t>
+            </a:r>
+            <a:r>
+              <a:rPr lang="ko-KR" altLang="ko-KR" sz="1200" b="1" dirty="0"/>
+              <a:t> 공격</a:t>
+            </a:r>
+          </a:p>
+          <a:p>
+            <a:pPr lvl="0"/>
+            <a:r>
+              <a:rPr lang="ko-KR" altLang="ko-KR" sz="1200" b="1" dirty="0"/>
+              <a:t>자리 </a:t>
+            </a:r>
+            <a:r>
+              <a:rPr lang="ko-KR" altLang="ko-KR" sz="1200" b="1" dirty="0" err="1"/>
+              <a:t>빌런</a:t>
+            </a:r>
+            <a:r>
+              <a:rPr lang="en-US" altLang="ko-KR" sz="1200" b="1" dirty="0"/>
+              <a:t>: </a:t>
+            </a:r>
+            <a:r>
+              <a:rPr lang="ko-KR" altLang="ko-KR" sz="1200" b="1" dirty="0"/>
+              <a:t>돌진 후 자리에 </a:t>
+            </a:r>
+            <a:r>
+              <a:rPr lang="ko-KR" altLang="ko-KR" sz="1200" b="1" dirty="0" err="1"/>
+              <a:t>앉아버림</a:t>
+            </a:r>
+            <a:r>
+              <a:rPr lang="en-US" altLang="ko-KR" sz="1200" b="1" dirty="0"/>
+              <a:t> (</a:t>
+            </a:r>
+            <a:r>
+              <a:rPr lang="ko-KR" altLang="ko-KR" sz="1200" b="1" dirty="0"/>
+              <a:t>일시 무적</a:t>
+            </a:r>
+            <a:r>
+              <a:rPr lang="en-US" altLang="ko-KR" sz="1200" b="1" dirty="0"/>
+              <a:t>)</a:t>
+            </a:r>
+            <a:endParaRPr lang="ko-KR" altLang="ko-KR" sz="1200" b="1" dirty="0"/>
+          </a:p>
+          <a:p>
+            <a:r>
+              <a:rPr lang="en-US" altLang="ko-KR" sz="1200" b="1" dirty="0"/>
+              <a:t> </a:t>
+            </a:r>
+            <a:endParaRPr lang="ko-KR" altLang="ko-KR" sz="1200" b="1" dirty="0"/>
+          </a:p>
+          <a:p>
+            <a:r>
+              <a:rPr lang="en-US" altLang="ko-KR" sz="1200" b="1" dirty="0"/>
+              <a:t>- </a:t>
+            </a:r>
+            <a:r>
+              <a:rPr lang="ko-KR" altLang="ko-KR" sz="1200" b="1" dirty="0"/>
+              <a:t>보스 캐릭터</a:t>
+            </a:r>
+          </a:p>
+          <a:p>
+            <a:pPr lvl="0"/>
+            <a:r>
+              <a:rPr lang="ko-KR" altLang="ko-KR" sz="1200" b="1" dirty="0"/>
+              <a:t>단소 살인마 </a:t>
+            </a:r>
+            <a:endParaRPr lang="en-US" altLang="ko-KR" sz="1200" b="1" dirty="0"/>
+          </a:p>
+          <a:p>
+            <a:pPr lvl="0"/>
+            <a:r>
+              <a:rPr lang="ko-KR" altLang="ko-KR" sz="1200" b="1" dirty="0"/>
+              <a:t>단소 공격</a:t>
+            </a:r>
+            <a:r>
+              <a:rPr lang="en-US" altLang="ko-KR" sz="1200" b="1" dirty="0"/>
+              <a:t> (</a:t>
+            </a:r>
+            <a:r>
+              <a:rPr lang="ko-KR" altLang="ko-KR" sz="1200" b="1" dirty="0"/>
+              <a:t>휘두름</a:t>
+            </a:r>
+            <a:r>
+              <a:rPr lang="en-US" altLang="ko-KR" sz="1200" b="1" dirty="0"/>
+              <a:t>)</a:t>
+            </a:r>
+          </a:p>
+          <a:p>
+            <a:pPr lvl="0"/>
+            <a:r>
+              <a:rPr lang="ko-KR" altLang="ko-KR" sz="1200" b="1" dirty="0"/>
+              <a:t>일정 체력 이하 시</a:t>
+            </a:r>
+            <a:r>
+              <a:rPr lang="en-US" altLang="ko-KR" sz="1200" b="1" dirty="0"/>
+              <a:t> "</a:t>
+            </a:r>
+            <a:r>
+              <a:rPr lang="ko-KR" altLang="ko-KR" sz="1200" b="1" dirty="0"/>
+              <a:t>호통</a:t>
+            </a:r>
+            <a:r>
+              <a:rPr lang="en-US" altLang="ko-KR" sz="1200" b="1" dirty="0"/>
+              <a:t>(</a:t>
+            </a:r>
+            <a:r>
+              <a:rPr lang="ko-KR" altLang="ko-KR" sz="1200" b="1" dirty="0"/>
+              <a:t>장판</a:t>
+            </a:r>
+            <a:r>
+              <a:rPr lang="en-US" altLang="ko-KR" sz="1200" b="1" dirty="0"/>
+              <a:t>)" </a:t>
+            </a:r>
+            <a:r>
+              <a:rPr lang="ko-KR" altLang="ko-KR" sz="1200" b="1" dirty="0"/>
+              <a:t>패턴 사용</a:t>
+            </a:r>
+            <a:endParaRPr lang="en-US" altLang="ko-KR" sz="1200" b="1" dirty="0"/>
+          </a:p>
+          <a:p>
+            <a:pPr lvl="0"/>
+            <a:endParaRPr lang="ko-KR" altLang="ko-KR" sz="1200" b="1" dirty="0"/>
+          </a:p>
+          <a:p>
+            <a:pPr lvl="0"/>
+            <a:r>
+              <a:rPr lang="ko-KR" altLang="ko-KR" sz="1200" b="1" dirty="0"/>
+              <a:t>꼬마 </a:t>
+            </a:r>
+            <a:r>
+              <a:rPr lang="ko-KR" altLang="ko-KR" sz="1200" b="1" dirty="0" err="1"/>
+              <a:t>빌런</a:t>
+            </a:r>
+            <a:r>
+              <a:rPr lang="en-US" altLang="ko-KR" sz="1200" b="1" dirty="0"/>
+              <a:t> (</a:t>
+            </a:r>
+            <a:r>
+              <a:rPr lang="ko-KR" altLang="ko-KR" sz="1200" b="1" dirty="0"/>
+              <a:t>직접 경험한 것을 바탕으로 탄생</a:t>
+            </a:r>
+            <a:r>
+              <a:rPr lang="en-US" altLang="ko-KR" sz="1200" b="1" dirty="0"/>
+              <a:t>)</a:t>
+            </a:r>
+            <a:endParaRPr lang="ko-KR" altLang="ko-KR" sz="1200" b="1" dirty="0"/>
+          </a:p>
+          <a:p>
+            <a:pPr lvl="1"/>
+            <a:r>
+              <a:rPr lang="ko-KR" altLang="ko-KR" sz="1200" b="1" dirty="0"/>
+              <a:t>가방 던지기</a:t>
+            </a:r>
+            <a:r>
+              <a:rPr lang="en-US" altLang="ko-KR" sz="1200" b="1" dirty="0"/>
+              <a:t>(</a:t>
+            </a:r>
+            <a:r>
+              <a:rPr lang="ko-KR" altLang="ko-KR" sz="1200" b="1" dirty="0"/>
+              <a:t>원거리 공격</a:t>
+            </a:r>
+            <a:r>
+              <a:rPr lang="en-US" altLang="ko-KR" sz="1200" b="1" dirty="0"/>
+              <a:t>) – </a:t>
+            </a:r>
+            <a:r>
+              <a:rPr lang="ko-KR" altLang="ko-KR" sz="1200" b="1" dirty="0"/>
+              <a:t>맞으면 스턴</a:t>
+            </a:r>
+          </a:p>
+          <a:p>
+            <a:pPr lvl="1"/>
+            <a:r>
+              <a:rPr lang="ko-KR" altLang="ko-KR" sz="1200" b="1" dirty="0"/>
+              <a:t>다이빙 어택</a:t>
+            </a:r>
+            <a:r>
+              <a:rPr lang="en-US" altLang="ko-KR" sz="1200" b="1" dirty="0"/>
+              <a:t> : </a:t>
+            </a:r>
+            <a:r>
+              <a:rPr lang="ko-KR" altLang="ko-KR" sz="1200" b="1" dirty="0"/>
+              <a:t>플레이어 쪽으로 몸을 던져 플레이어에게 </a:t>
+            </a:r>
+            <a:r>
+              <a:rPr lang="ko-KR" altLang="ko-KR" sz="1200" b="1" dirty="0" err="1"/>
+              <a:t>넉백</a:t>
+            </a:r>
+            <a:r>
+              <a:rPr lang="ko-KR" altLang="ko-KR" sz="1200" b="1" dirty="0"/>
+              <a:t> 데미지</a:t>
+            </a:r>
+          </a:p>
+          <a:p>
+            <a:pPr lvl="1"/>
+            <a:r>
+              <a:rPr lang="ko-KR" altLang="ko-KR" sz="1200" b="1" dirty="0"/>
+              <a:t>일정 체력 이하 시 더 빨라지고</a:t>
+            </a:r>
+            <a:r>
+              <a:rPr lang="en-US" altLang="ko-KR" sz="1200" b="1" dirty="0"/>
+              <a:t>, </a:t>
+            </a:r>
+            <a:r>
+              <a:rPr lang="ko-KR" altLang="ko-KR" sz="1200" b="1" dirty="0"/>
+              <a:t>무작위로 뛰어다니며 공</a:t>
+            </a:r>
+            <a:r>
+              <a:rPr lang="ko-KR" altLang="en-US" sz="1200" b="1" dirty="0"/>
+              <a:t>격</a:t>
+            </a:r>
+            <a:endParaRPr lang="ko-KR" altLang="ko-KR" sz="1200" b="1" dirty="0"/>
+          </a:p>
+        </p:txBody>
+      </p:sp>
+    </p:spTree>
+    <p:extLst>
+      <p:ext uri="{BB962C8B-B14F-4D97-AF65-F5344CB8AC3E}">
+        <p14:creationId xmlns:p14="http://schemas.microsoft.com/office/powerpoint/2010/main" val="3086853928"/>
+      </p:ext>
+    </p:extLst>
+  </p:cSld>
+  <p:clrMapOvr>
+    <a:masterClrMapping/>
+  </p:clrMapOvr>
+</p:sld>
+</file>
+
 <file path=ppt/theme/theme1.xml><?xml version="1.0" encoding="utf-8"?>
 <a:theme xmlns:a="http://schemas.openxmlformats.org/drawingml/2006/main" name="Office 테마">
   <a:themeElements>
